--- a/FrontEnd/Week5/Week 5.pptx
+++ b/FrontEnd/Week5/Week 5.pptx
@@ -3273,19 +3273,11 @@
             </a:r>
             <a:r>
               <a:rPr lang="en-US" dirty="0" err="1"/>
-              <a:t>document</a:t>
-            </a:r>
-            <a:r>
-              <a:rPr lang="en-US" err="1"/>
-              <a:t>.</a:t>
-            </a:r>
-            <a:r>
-              <a:rPr lang="en-US"/>
-              <a:t>querySelectorAll(“.</a:t>
-            </a:r>
-            <a:r>
-              <a:rPr lang="en-US" dirty="0"/>
-              <a:t>demo”);</a:t>
+              <a:t>document.querySelectorAll</a:t>
+            </a:r>
+            <a:r>
+              <a:rPr lang="en-US" dirty="0"/>
+              <a:t>(“.demo”);</a:t>
             </a:r>
           </a:p>
         </p:txBody>
@@ -3448,6 +3440,19 @@
             <a:pPr marL="0" indent="0">
               <a:buNone/>
             </a:pPr>
+            <a:r>
+              <a:rPr lang="en-US" dirty="0">
+                <a:solidFill>
+                  <a:srgbClr val="FFFF00"/>
+                </a:solidFill>
+              </a:rPr>
+              <a:t>	append(); // when we are upending something not element</a:t>
+            </a:r>
+          </a:p>
+          <a:p>
+            <a:pPr marL="0" indent="0">
+              <a:buNone/>
+            </a:pPr>
             <a:endParaRPr lang="en-US" dirty="0"/>
           </a:p>
         </p:txBody>
@@ -3527,31 +3532,6 @@
               <a:buNone/>
             </a:pPr>
             <a:r>
-              <a:rPr lang="en-US">
-                <a:solidFill>
-                  <a:srgbClr val="FFFF00"/>
-                </a:solidFill>
-              </a:rPr>
-              <a:t>            	element</a:t>
-            </a:r>
-            <a:r>
-              <a:rPr lang="en-US" dirty="0">
-                <a:solidFill>
-                  <a:srgbClr val="FFFF00"/>
-                </a:solidFill>
-              </a:rPr>
-              <a:t>.id </a:t>
-            </a:r>
-            <a:r>
-              <a:rPr lang="en-US" dirty="0"/>
-              <a:t>- </a:t>
-            </a:r>
-          </a:p>
-          <a:p>
-            <a:pPr marL="0" indent="0">
-              <a:buNone/>
-            </a:pPr>
-            <a:r>
               <a:rPr lang="en-US" dirty="0">
                 <a:solidFill>
                   <a:srgbClr val="FFFF00"/>
@@ -3565,7 +3545,7 @@
                   <a:srgbClr val="FFFF00"/>
                 </a:solidFill>
               </a:rPr>
-              <a:t>element.innerHTML</a:t>
+              <a:t>element.id</a:t>
             </a:r>
             <a:r>
               <a:rPr lang="en-US" dirty="0">
@@ -3577,6 +3557,39 @@
             </a:r>
             <a:r>
               <a:rPr lang="en-US" dirty="0"/>
+              <a:t>- </a:t>
+            </a:r>
+          </a:p>
+          <a:p>
+            <a:pPr marL="0" indent="0">
+              <a:buNone/>
+            </a:pPr>
+            <a:r>
+              <a:rPr lang="en-US" dirty="0">
+                <a:solidFill>
+                  <a:srgbClr val="FFFF00"/>
+                </a:solidFill>
+              </a:rPr>
+              <a:t>            	</a:t>
+            </a:r>
+            <a:r>
+              <a:rPr lang="en-US" dirty="0" err="1">
+                <a:solidFill>
+                  <a:srgbClr val="FFFF00"/>
+                </a:solidFill>
+              </a:rPr>
+              <a:t>element.innerHTML</a:t>
+            </a:r>
+            <a:r>
+              <a:rPr lang="en-US" dirty="0">
+                <a:solidFill>
+                  <a:srgbClr val="FFFF00"/>
+                </a:solidFill>
+              </a:rPr>
+              <a:t> </a:t>
+            </a:r>
+            <a:r>
+              <a:rPr lang="en-US" dirty="0"/>
               <a:t>- gets or sets the markup contained within the     	</a:t>
             </a:r>
             <a:r>
@@ -3609,15 +3622,31 @@
               <a:t>            </a:t>
             </a:r>
             <a:r>
-              <a:rPr lang="en-US" dirty="0" err="1"/>
+              <a:rPr lang="en-US" dirty="0" err="1">
+                <a:solidFill>
+                  <a:srgbClr val="FFFF00"/>
+                </a:solidFill>
+              </a:rPr>
               <a:t>element.parentNode</a:t>
             </a:r>
             <a:r>
-              <a:rPr lang="en-US" dirty="0"/>
-              <a:t> - gets a reference to the parent node of this 	</a:t>
-            </a:r>
-            <a:r>
-              <a:rPr lang="en-US" dirty="0" err="1"/>
+              <a:rPr lang="en-US" dirty="0">
+                <a:solidFill>
+                  <a:srgbClr val="FFFF00"/>
+                </a:solidFill>
+              </a:rPr>
+              <a:t> </a:t>
+            </a:r>
+            <a:r>
+              <a:rPr lang="en-US" dirty="0"/>
+              <a:t>- gets a reference to the parent node of this 	</a:t>
+            </a:r>
+            <a:r>
+              <a:rPr lang="en-US" dirty="0" err="1">
+                <a:solidFill>
+                  <a:srgbClr val="FFFF00"/>
+                </a:solidFill>
+              </a:rPr>
               <a:t>element.nextSibling</a:t>
             </a:r>
             <a:r>
@@ -3634,12 +3663,24 @@
               <a:t>            </a:t>
             </a:r>
             <a:r>
-              <a:rPr lang="en-US" dirty="0" err="1"/>
+              <a:rPr lang="en-US" dirty="0" err="1">
+                <a:solidFill>
+                  <a:srgbClr val="FFFF00"/>
+                </a:solidFill>
+              </a:rPr>
               <a:t>element.className</a:t>
             </a:r>
             <a:r>
-              <a:rPr lang="en-US" dirty="0"/>
-              <a:t> - gets or sets the value of class attribute</a:t>
+              <a:rPr lang="en-US" dirty="0">
+                <a:solidFill>
+                  <a:srgbClr val="FFFF00"/>
+                </a:solidFill>
+              </a:rPr>
+              <a:t> </a:t>
+            </a:r>
+            <a:r>
+              <a:rPr lang="en-US" dirty="0"/>
+              <a:t>- gets or sets the value of class attribute</a:t>
             </a:r>
           </a:p>
           <a:p>
@@ -3875,8 +3916,13 @@
             </a:r>
             <a:r>
               <a:rPr lang="en-US" dirty="0"/>
-              <a:t> = function()={ }</a:t>
-            </a:r>
+              <a:t> = function</a:t>
+            </a:r>
+            <a:r>
+              <a:rPr lang="en-US"/>
+              <a:t>()={ } //modern day we don’t use it</a:t>
+            </a:r>
+            <a:endParaRPr lang="en-US" dirty="0"/>
           </a:p>
           <a:p>
             <a:pPr marL="0" indent="0">
